--- a/Projekti.pptx
+++ b/Projekti.pptx
@@ -9,6 +9,8 @@
     <p:sldId id="257" r:id="rId3"/>
     <p:sldId id="258" r:id="rId4"/>
     <p:sldId id="259" r:id="rId5"/>
+    <p:sldId id="260" r:id="rId6"/>
+    <p:sldId id="261" r:id="rId7"/>
   </p:sldIdLst>
   <p:sldSz cx="12192000" cy="6858000"/>
   <p:notesSz cx="6858000" cy="9144000"/>
@@ -6210,6 +6212,44 @@
             <a:pPr marL="0" indent="0" algn="ctr">
               <a:buNone/>
             </a:pPr>
+            <a:r>
+              <a:rPr lang="en-FI" dirty="0"/>
+              <a:t>3. </a:t>
+            </a:r>
+            <a:r>
+              <a:rPr lang="en-FI" dirty="0" err="1"/>
+              <a:t>Kuva</a:t>
+            </a:r>
+            <a:r>
+              <a:rPr lang="en-FI" dirty="0"/>
+              <a:t> </a:t>
+            </a:r>
+            <a:r>
+              <a:rPr lang="en-FI" dirty="0" err="1"/>
+              <a:t>Laitteesta</a:t>
+            </a:r>
+            <a:endParaRPr lang="en-FI" dirty="0"/>
+          </a:p>
+          <a:p>
+            <a:pPr marL="0" indent="0" algn="ctr">
+              <a:buNone/>
+            </a:pPr>
+            <a:r>
+              <a:rPr lang="en-FI" dirty="0"/>
+              <a:t>4. </a:t>
+            </a:r>
+            <a:r>
+              <a:rPr lang="en-FI" dirty="0" err="1"/>
+              <a:t>Inspiraation</a:t>
+            </a:r>
+            <a:r>
+              <a:rPr lang="en-FI" dirty="0"/>
+              <a:t> </a:t>
+            </a:r>
+            <a:r>
+              <a:rPr lang="en-FI" dirty="0" err="1"/>
+              <a:t>lähteet</a:t>
+            </a:r>
             <a:endParaRPr lang="fi-FI" dirty="0"/>
           </a:p>
         </p:txBody>
@@ -6498,6 +6538,333 @@
     <p:extLst>
       <p:ext uri="{BB962C8B-B14F-4D97-AF65-F5344CB8AC3E}">
         <p14:creationId xmlns:p14="http://schemas.microsoft.com/office/powerpoint/2010/main" val="24450675"/>
+      </p:ext>
+    </p:extLst>
+  </p:cSld>
+  <p:clrMapOvr>
+    <a:masterClrMapping/>
+  </p:clrMapOvr>
+</p:sld>
+</file>
+
+<file path=ppt/slides/slide5.xml><?xml version="1.0" encoding="utf-8"?>
+<p:sld xmlns:a="http://schemas.openxmlformats.org/drawingml/2006/main" xmlns:r="http://schemas.openxmlformats.org/officeDocument/2006/relationships" xmlns:p="http://schemas.openxmlformats.org/presentationml/2006/main">
+  <p:cSld>
+    <p:spTree>
+      <p:nvGrpSpPr>
+        <p:cNvPr id="1" name=""/>
+        <p:cNvGrpSpPr/>
+        <p:nvPr/>
+      </p:nvGrpSpPr>
+      <p:grpSpPr>
+        <a:xfrm>
+          <a:off x="0" y="0"/>
+          <a:ext cx="0" cy="0"/>
+          <a:chOff x="0" y="0"/>
+          <a:chExt cx="0" cy="0"/>
+        </a:xfrm>
+      </p:grpSpPr>
+      <p:sp>
+        <p:nvSpPr>
+          <p:cNvPr id="2" name="Otsikko 1">
+            <a:extLst>
+              <a:ext uri="{FF2B5EF4-FFF2-40B4-BE49-F238E27FC236}">
+                <a16:creationId xmlns:a16="http://schemas.microsoft.com/office/drawing/2014/main" id="{EB546AA6-9BB0-4443-87B7-F77DEB8D47E1}"/>
+              </a:ext>
+            </a:extLst>
+          </p:cNvPr>
+          <p:cNvSpPr>
+            <a:spLocks noGrp="1"/>
+          </p:cNvSpPr>
+          <p:nvPr>
+            <p:ph type="title"/>
+          </p:nvPr>
+        </p:nvSpPr>
+        <p:spPr/>
+        <p:txBody>
+          <a:bodyPr/>
+          <a:lstStyle/>
+          <a:p>
+            <a:pPr algn="ctr"/>
+            <a:r>
+              <a:rPr lang="en-FI" dirty="0"/>
+              <a:t>3.</a:t>
+            </a:r>
+            <a:r>
+              <a:rPr lang="fi-FI" dirty="0"/>
+              <a:t>K</a:t>
+            </a:r>
+            <a:r>
+              <a:rPr lang="en-FI" dirty="0"/>
+              <a:t>u</a:t>
+            </a:r>
+            <a:r>
+              <a:rPr lang="fi-FI" dirty="0"/>
+              <a:t>v</a:t>
+            </a:r>
+            <a:r>
+              <a:rPr lang="en-FI" dirty="0"/>
+              <a:t>a </a:t>
+            </a:r>
+            <a:r>
+              <a:rPr lang="fi-FI" dirty="0"/>
+              <a:t>l</a:t>
+            </a:r>
+            <a:r>
+              <a:rPr lang="en-FI" dirty="0"/>
+              <a:t>a</a:t>
+            </a:r>
+            <a:r>
+              <a:rPr lang="fi-FI" dirty="0"/>
+              <a:t>i</a:t>
+            </a:r>
+            <a:r>
+              <a:rPr lang="en-FI" dirty="0"/>
+              <a:t>t</a:t>
+            </a:r>
+            <a:r>
+              <a:rPr lang="fi-FI" dirty="0"/>
+              <a:t>t</a:t>
+            </a:r>
+            <a:r>
+              <a:rPr lang="en-FI" dirty="0"/>
+              <a:t>e</a:t>
+            </a:r>
+            <a:r>
+              <a:rPr lang="fi-FI" dirty="0"/>
+              <a:t>e</a:t>
+            </a:r>
+            <a:r>
+              <a:rPr lang="en-FI" dirty="0"/>
+              <a:t>s</a:t>
+            </a:r>
+            <a:r>
+              <a:rPr lang="fi-FI" dirty="0"/>
+              <a:t>t</a:t>
+            </a:r>
+            <a:r>
+              <a:rPr lang="en-FI" dirty="0"/>
+              <a:t>a</a:t>
+            </a:r>
+            <a:endParaRPr lang="fi-FI" dirty="0"/>
+          </a:p>
+        </p:txBody>
+      </p:sp>
+      <p:pic>
+        <p:nvPicPr>
+          <p:cNvPr id="5" name="Sisällön paikkamerkki 4" descr="Kuva, joka sisältää kohteen teksti&#10;&#10;Kuvaus luotu automaattisesti">
+            <a:extLst>
+              <a:ext uri="{FF2B5EF4-FFF2-40B4-BE49-F238E27FC236}">
+                <a16:creationId xmlns:a16="http://schemas.microsoft.com/office/drawing/2014/main" id="{88BC90B9-0E67-4840-ADF3-51B005187065}"/>
+              </a:ext>
+            </a:extLst>
+          </p:cNvPr>
+          <p:cNvPicPr>
+            <a:picLocks noGrp="1" noChangeAspect="1"/>
+          </p:cNvPicPr>
+          <p:nvPr>
+            <p:ph idx="1"/>
+          </p:nvPr>
+        </p:nvPicPr>
+        <p:blipFill>
+          <a:blip r:embed="rId2"/>
+          <a:stretch>
+            <a:fillRect/>
+          </a:stretch>
+        </p:blipFill>
+        <p:spPr>
+          <a:xfrm>
+            <a:off x="2388043" y="1488281"/>
+            <a:ext cx="5175249" cy="3881437"/>
+          </a:xfrm>
+        </p:spPr>
+      </p:pic>
+    </p:spTree>
+    <p:extLst>
+      <p:ext uri="{BB962C8B-B14F-4D97-AF65-F5344CB8AC3E}">
+        <p14:creationId xmlns:p14="http://schemas.microsoft.com/office/powerpoint/2010/main" val="1494205101"/>
+      </p:ext>
+    </p:extLst>
+  </p:cSld>
+  <p:clrMapOvr>
+    <a:masterClrMapping/>
+  </p:clrMapOvr>
+</p:sld>
+</file>
+
+<file path=ppt/slides/slide6.xml><?xml version="1.0" encoding="utf-8"?>
+<p:sld xmlns:a="http://schemas.openxmlformats.org/drawingml/2006/main" xmlns:r="http://schemas.openxmlformats.org/officeDocument/2006/relationships" xmlns:p="http://schemas.openxmlformats.org/presentationml/2006/main">
+  <p:cSld>
+    <p:spTree>
+      <p:nvGrpSpPr>
+        <p:cNvPr id="1" name=""/>
+        <p:cNvGrpSpPr/>
+        <p:nvPr/>
+      </p:nvGrpSpPr>
+      <p:grpSpPr>
+        <a:xfrm>
+          <a:off x="0" y="0"/>
+          <a:ext cx="0" cy="0"/>
+          <a:chOff x="0" y="0"/>
+          <a:chExt cx="0" cy="0"/>
+        </a:xfrm>
+      </p:grpSpPr>
+      <p:sp>
+        <p:nvSpPr>
+          <p:cNvPr id="2" name="Otsikko 1">
+            <a:extLst>
+              <a:ext uri="{FF2B5EF4-FFF2-40B4-BE49-F238E27FC236}">
+                <a16:creationId xmlns:a16="http://schemas.microsoft.com/office/drawing/2014/main" id="{865E60F2-7600-4C20-A55B-83BE67618051}"/>
+              </a:ext>
+            </a:extLst>
+          </p:cNvPr>
+          <p:cNvSpPr>
+            <a:spLocks noGrp="1"/>
+          </p:cNvSpPr>
+          <p:nvPr>
+            <p:ph type="title"/>
+          </p:nvPr>
+        </p:nvSpPr>
+        <p:spPr/>
+        <p:txBody>
+          <a:bodyPr/>
+          <a:lstStyle/>
+          <a:p>
+            <a:r>
+              <a:rPr lang="en-FI" dirty="0"/>
+              <a:t>4. </a:t>
+            </a:r>
+            <a:r>
+              <a:rPr lang="fi-FI" dirty="0"/>
+              <a:t>I</a:t>
+            </a:r>
+            <a:r>
+              <a:rPr lang="en-FI" dirty="0"/>
+              <a:t>n</a:t>
+            </a:r>
+            <a:r>
+              <a:rPr lang="fi-FI" dirty="0"/>
+              <a:t>s</a:t>
+            </a:r>
+            <a:r>
+              <a:rPr lang="en-FI" dirty="0"/>
+              <a:t>p</a:t>
+            </a:r>
+            <a:r>
+              <a:rPr lang="fi-FI" dirty="0"/>
+              <a:t>i</a:t>
+            </a:r>
+            <a:r>
+              <a:rPr lang="en-FI" dirty="0"/>
+              <a:t>r</a:t>
+            </a:r>
+            <a:r>
+              <a:rPr lang="fi-FI" dirty="0"/>
+              <a:t>a</a:t>
+            </a:r>
+            <a:r>
+              <a:rPr lang="en-FI" dirty="0"/>
+              <a:t>a</a:t>
+            </a:r>
+            <a:r>
+              <a:rPr lang="fi-FI" dirty="0"/>
+              <a:t>t</a:t>
+            </a:r>
+            <a:r>
+              <a:rPr lang="en-FI" dirty="0" err="1"/>
+              <a:t>i</a:t>
+            </a:r>
+            <a:r>
+              <a:rPr lang="fi-FI" dirty="0"/>
+              <a:t>o</a:t>
+            </a:r>
+            <a:r>
+              <a:rPr lang="en-FI" dirty="0"/>
+              <a:t>n </a:t>
+            </a:r>
+            <a:r>
+              <a:rPr lang="fi-FI" dirty="0"/>
+              <a:t>L</a:t>
+            </a:r>
+            <a:r>
+              <a:rPr lang="en-FI" dirty="0"/>
+              <a:t>ä</a:t>
+            </a:r>
+            <a:r>
+              <a:rPr lang="fi-FI" dirty="0"/>
+              <a:t>h</a:t>
+            </a:r>
+            <a:r>
+              <a:rPr lang="en-FI" dirty="0"/>
+              <a:t>t</a:t>
+            </a:r>
+            <a:r>
+              <a:rPr lang="fi-FI" dirty="0"/>
+              <a:t>e</a:t>
+            </a:r>
+            <a:r>
+              <a:rPr lang="en-FI" dirty="0"/>
+              <a:t>e</a:t>
+            </a:r>
+            <a:r>
+              <a:rPr lang="fi-FI" dirty="0"/>
+              <a:t>t</a:t>
+            </a:r>
+          </a:p>
+        </p:txBody>
+      </p:sp>
+      <p:sp>
+        <p:nvSpPr>
+          <p:cNvPr id="3" name="Sisällön paikkamerkki 2">
+            <a:extLst>
+              <a:ext uri="{FF2B5EF4-FFF2-40B4-BE49-F238E27FC236}">
+                <a16:creationId xmlns:a16="http://schemas.microsoft.com/office/drawing/2014/main" id="{C2C0DD7D-BFF4-46B5-AE1F-2FD0539C6B3E}"/>
+              </a:ext>
+            </a:extLst>
+          </p:cNvPr>
+          <p:cNvSpPr>
+            <a:spLocks noGrp="1"/>
+          </p:cNvSpPr>
+          <p:nvPr>
+            <p:ph idx="1"/>
+          </p:nvPr>
+        </p:nvSpPr>
+        <p:spPr/>
+        <p:txBody>
+          <a:bodyPr/>
+          <a:lstStyle/>
+          <a:p>
+            <a:r>
+              <a:rPr lang="en-FI" dirty="0"/>
+              <a:t>1. </a:t>
+            </a:r>
+            <a:r>
+              <a:rPr lang="fi-FI" dirty="0">
+                <a:hlinkClick r:id="rId2"/>
+              </a:rPr>
+              <a:t>https://create.arduino.cc/projecthub/TheGadgetBoy/making-lcd-thermometer-with-arduino-and-lm35-36-c058f0</a:t>
+            </a:r>
+            <a:endParaRPr lang="en-FI" dirty="0"/>
+          </a:p>
+          <a:p>
+            <a:r>
+              <a:rPr lang="en-FI" dirty="0"/>
+              <a:t>2. </a:t>
+            </a:r>
+            <a:r>
+              <a:rPr lang="fi-FI" dirty="0">
+                <a:hlinkClick r:id="rId3"/>
+              </a:rPr>
+              <a:t>https://create.arduino.cc/projecthub/abdularbi17/ultrasonic-sensor-hc-sr04-with-arduino-tutorial-327ff6</a:t>
+            </a:r>
+            <a:endParaRPr lang="en-FI" dirty="0"/>
+          </a:p>
+        </p:txBody>
+      </p:sp>
+    </p:spTree>
+    <p:extLst>
+      <p:ext uri="{BB962C8B-B14F-4D97-AF65-F5344CB8AC3E}">
+        <p14:creationId xmlns:p14="http://schemas.microsoft.com/office/powerpoint/2010/main" val="2767927266"/>
       </p:ext>
     </p:extLst>
   </p:cSld>
